--- a/assets/powerup-presentation.pptx
+++ b/assets/powerup-presentation.pptx
@@ -4404,7 +4404,7 @@
         <p:spPr>
           <a:xfrm>
             <a:off x="3531765" y="1514991"/>
-            <a:ext cx="8162488" cy="4093428"/>
+            <a:ext cx="8162488" cy="4401205"/>
           </a:xfrm>
           <a:prstGeom prst="rect">
             <a:avLst/>
@@ -4428,7 +4428,7 @@
           <a:p>
             <a:r>
               <a:rPr lang="en-US" sz="2000" b="1" dirty="0"/>
-              <a:t>The site consists of 4 pages:</a:t>
+              <a:t>The site consists of 5 pages:</a:t>
             </a:r>
           </a:p>
           <a:p>
@@ -4439,6 +4439,16 @@
             <a:r>
               <a:rPr lang="en-US" sz="2000" dirty="0"/>
               <a:t>Home page where the user can see the games in the database (cannot ”save” without being logged in)</a:t>
+            </a:r>
+          </a:p>
+          <a:p>
+            <a:pPr marL="800100" lvl="1" indent="-342900">
+              <a:buFont typeface="Arial" panose="020B0604020202020204" pitchFamily="34" charset="0"/>
+              <a:buChar char="•"/>
+            </a:pPr>
+            <a:r>
+              <a:rPr lang="en-US" sz="2000" dirty="0"/>
+              <a:t>Game page to show single game data and holds save button</a:t>
             </a:r>
           </a:p>
           <a:p>
@@ -4515,7 +4525,7 @@
         </p:blipFill>
         <p:spPr bwMode="auto">
           <a:xfrm>
-            <a:off x="261664" y="1718191"/>
+            <a:off x="243735" y="2005061"/>
             <a:ext cx="4352518" cy="4352518"/>
           </a:xfrm>
           <a:prstGeom prst="rect">
@@ -5165,8 +5175,21 @@
                   <a:schemeClr val="bg1"/>
                 </a:solidFill>
               </a:rPr>
-              <a:t>: Database (incl. seeds), Server-side</a:t>
-            </a:r>
+              <a:t>: Database (incl. seeds), Server-side, React, </a:t>
+            </a:r>
+            <a:r>
+              <a:rPr lang="en-US" sz="2000" dirty="0" err="1">
+                <a:solidFill>
+                  <a:schemeClr val="bg1"/>
+                </a:solidFill>
+              </a:rPr>
+              <a:t>GraphQL</a:t>
+            </a:r>
+            <a:endParaRPr lang="en-US" sz="2000" dirty="0">
+              <a:solidFill>
+                <a:schemeClr val="bg1"/>
+              </a:solidFill>
+            </a:endParaRPr>
           </a:p>
           <a:p>
             <a:pPr marL="800100" lvl="1" indent="-342900">
@@ -5187,8 +5210,21 @@
                   <a:schemeClr val="bg1"/>
                 </a:solidFill>
               </a:rPr>
-              <a:t>: React, queries, server-side</a:t>
-            </a:r>
+              <a:t>: React, queries, server-side, </a:t>
+            </a:r>
+            <a:r>
+              <a:rPr lang="en-US" sz="2000" dirty="0" err="1">
+                <a:solidFill>
+                  <a:schemeClr val="bg1"/>
+                </a:solidFill>
+              </a:rPr>
+              <a:t>GraphQL</a:t>
+            </a:r>
+            <a:endParaRPr lang="en-US" sz="2000" dirty="0">
+              <a:solidFill>
+                <a:schemeClr val="bg1"/>
+              </a:solidFill>
+            </a:endParaRPr>
           </a:p>
           <a:p>
             <a:pPr marL="800100" lvl="1" indent="-342900">
@@ -5566,7 +5602,7 @@
         <p:spPr>
           <a:xfrm>
             <a:off x="6838870" y="1608881"/>
-            <a:ext cx="4551745" cy="2202832"/>
+            <a:ext cx="4904343" cy="2202832"/>
           </a:xfrm>
           <a:prstGeom prst="rect">
             <a:avLst/>
@@ -5652,8 +5688,56 @@
                   <a:schemeClr val="bg1"/>
                 </a:solidFill>
               </a:rPr>
-              <a:t> syntax and usage</a:t>
-            </a:r>
+              <a:t> </a:t>
+            </a:r>
+          </a:p>
+          <a:p>
+            <a:pPr marL="285750" lvl="0" indent="-285750">
+              <a:spcAft>
+                <a:spcPts val="600"/>
+              </a:spcAft>
+              <a:buFont typeface="Arial" panose="020B0604020202020204" pitchFamily="34" charset="0"/>
+              <a:buChar char="•"/>
+            </a:pPr>
+            <a:r>
+              <a:rPr lang="en-US" dirty="0">
+                <a:solidFill>
+                  <a:schemeClr val="bg1"/>
+                </a:solidFill>
+              </a:rPr>
+              <a:t>IGDB API issues</a:t>
+            </a:r>
+          </a:p>
+          <a:p>
+            <a:pPr marL="285750" lvl="0" indent="-285750">
+              <a:spcAft>
+                <a:spcPts val="600"/>
+              </a:spcAft>
+              <a:buFont typeface="Arial" panose="020B0604020202020204" pitchFamily="34" charset="0"/>
+              <a:buChar char="•"/>
+            </a:pPr>
+            <a:r>
+              <a:rPr lang="en-US" dirty="0">
+                <a:solidFill>
+                  <a:schemeClr val="bg1"/>
+                </a:solidFill>
+              </a:rPr>
+              <a:t>Spent a lot of time debugging instead of adding new features</a:t>
+            </a:r>
+          </a:p>
+          <a:p>
+            <a:pPr marL="285750" lvl="0" indent="-285750">
+              <a:spcAft>
+                <a:spcPts val="600"/>
+              </a:spcAft>
+              <a:buFont typeface="Arial" panose="020B0604020202020204" pitchFamily="34" charset="0"/>
+              <a:buChar char="•"/>
+            </a:pPr>
+            <a:endParaRPr lang="en-US" dirty="0">
+              <a:solidFill>
+                <a:schemeClr val="bg1"/>
+              </a:solidFill>
+            </a:endParaRPr>
           </a:p>
           <a:p>
             <a:pPr algn="ctr"/>
@@ -6087,8 +6171,8 @@
         </p:nvSpPr>
         <p:spPr>
           <a:xfrm>
-            <a:off x="756285" y="2016546"/>
-            <a:ext cx="6055481" cy="4247317"/>
+            <a:off x="738356" y="1609911"/>
+            <a:ext cx="6055481" cy="3631763"/>
           </a:xfrm>
           <a:prstGeom prst="rect">
             <a:avLst/>
@@ -6136,7 +6220,7 @@
             </a:pPr>
             <a:r>
               <a:rPr lang="en-US" sz="2000" dirty="0"/>
-              <a:t>Add “Favorite Genre” or “Favorite Game” to the user’s profile</a:t>
+              <a:t>Add feature to allow user to save their favorite searches to quickly go back</a:t>
             </a:r>
           </a:p>
           <a:p>
@@ -6149,7 +6233,7 @@
             </a:pPr>
             <a:r>
               <a:rPr lang="en-US" sz="2000" dirty="0"/>
-              <a:t>Add feature to allow user to save their favorite searches to quickly go back</a:t>
+              <a:t>Add feature to allow user to follow other users and collaborate on game libraries</a:t>
             </a:r>
           </a:p>
           <a:p>
@@ -6162,7 +6246,7 @@
             </a:pPr>
             <a:r>
               <a:rPr lang="en-US" sz="2000" dirty="0"/>
-              <a:t>Add feature to allow user to follow other users and collaborate on game libraries</a:t>
+              <a:t>Add searches with filters</a:t>
             </a:r>
           </a:p>
           <a:p>
@@ -6175,7 +6259,7 @@
             </a:pPr>
             <a:r>
               <a:rPr lang="en-US" sz="2000" dirty="0"/>
-              <a:t>Add filters for searches to get more pinpointed results</a:t>
+              <a:t>Connect to IGDB API</a:t>
             </a:r>
           </a:p>
         </p:txBody>
